--- a/manuscript_graphics.pptx
+++ b/manuscript_graphics.pptx
@@ -6,6 +6,8 @@
   </p:sldMasterIdLst>
   <p:sldIdLst>
     <p:sldId id="256" r:id="rId2"/>
+    <p:sldId id="257" r:id="rId3"/>
+    <p:sldId id="258" r:id="rId4"/>
   </p:sldIdLst>
   <p:sldSz cx="9144000" cy="6858000" type="screen4x3"/>
   <p:notesSz cx="6858000" cy="9144000"/>
@@ -1064,17 +1066,20 @@
       </dgm:t>
     </dgm:pt>
     <dgm:pt modelId="{A4789E20-FE33-1F45-BED5-DF1DFF8B89EE}">
-      <dgm:prSet phldrT="[Text]"/>
+      <dgm:prSet phldrT="[Text]" custT="1"/>
       <dgm:spPr/>
       <dgm:t>
         <a:bodyPr/>
         <a:lstStyle/>
         <a:p>
           <a:r>
-            <a:rPr lang="en-US" dirty="0" smtClean="0"/>
-            <a:t>MM Usage</a:t>
+            <a:rPr lang="en-US" sz="2200" dirty="0" smtClean="0"/>
+            <a:t>MM </a:t>
           </a:r>
-          <a:endParaRPr lang="en-US" dirty="0"/>
+          <a:r>
+            <a:rPr lang="en-US" sz="2200" dirty="0" smtClean="0"/>
+            <a:t>Usage</a:t>
+          </a:r>
         </a:p>
       </dgm:t>
     </dgm:pt>
@@ -1137,39 +1142,6 @@
         </a:p>
       </dgm:t>
     </dgm:pt>
-    <dgm:pt modelId="{E2BD3232-B3C5-5846-973B-CAB416210AF7}">
-      <dgm:prSet phldrT="[Text]"/>
-      <dgm:spPr/>
-      <dgm:t>
-        <a:bodyPr/>
-        <a:lstStyle/>
-        <a:p>
-          <a:endParaRPr lang="en-US" dirty="0"/>
-        </a:p>
-      </dgm:t>
-    </dgm:pt>
-    <dgm:pt modelId="{BF0D36C8-711A-E74D-9D4F-18CA28980DC7}" type="parTrans" cxnId="{4110CD11-CC53-4A4C-B455-A4F74CF066CE}">
-      <dgm:prSet/>
-      <dgm:spPr/>
-      <dgm:t>
-        <a:bodyPr/>
-        <a:lstStyle/>
-        <a:p>
-          <a:endParaRPr lang="en-US"/>
-        </a:p>
-      </dgm:t>
-    </dgm:pt>
-    <dgm:pt modelId="{5499C786-4E94-7841-BFFB-F18A8694E646}" type="sibTrans" cxnId="{4110CD11-CC53-4A4C-B455-A4F74CF066CE}">
-      <dgm:prSet/>
-      <dgm:spPr/>
-      <dgm:t>
-        <a:bodyPr/>
-        <a:lstStyle/>
-        <a:p>
-          <a:endParaRPr lang="en-US"/>
-        </a:p>
-      </dgm:t>
-    </dgm:pt>
     <dgm:pt modelId="{F5F3850C-4FF0-314F-A37C-BF2917D2E13F}">
       <dgm:prSet phldrT="[Text]"/>
       <dgm:spPr/>
@@ -1218,7 +1190,7 @@
       <dgm:spPr/>
     </dgm:pt>
     <dgm:pt modelId="{F965BAED-E372-2E46-9D4A-6642765FF85D}" type="pres">
-      <dgm:prSet presAssocID="{065AC19B-E09F-3341-8984-518524F1C2D1}" presName="level" presStyleLbl="node1" presStyleIdx="0" presStyleCnt="6">
+      <dgm:prSet presAssocID="{065AC19B-E09F-3341-8984-518524F1C2D1}" presName="level" presStyleLbl="node1" presStyleIdx="0" presStyleCnt="5">
         <dgm:presLayoutVars>
           <dgm:chMax val="1"/>
           <dgm:bulletEnabled val="1"/>
@@ -1254,7 +1226,7 @@
       <dgm:spPr/>
     </dgm:pt>
     <dgm:pt modelId="{555F50E4-79CD-4F4D-9E53-425DFAB357F4}" type="pres">
-      <dgm:prSet presAssocID="{B6D903BC-CD0E-B649-80B8-E4446B4ECAC2}" presName="level" presStyleLbl="node1" presStyleIdx="1" presStyleCnt="6">
+      <dgm:prSet presAssocID="{B6D903BC-CD0E-B649-80B8-E4446B4ECAC2}" presName="level" presStyleLbl="node1" presStyleIdx="1" presStyleCnt="5">
         <dgm:presLayoutVars>
           <dgm:chMax val="1"/>
           <dgm:bulletEnabled val="1"/>
@@ -1290,7 +1262,7 @@
       <dgm:spPr/>
     </dgm:pt>
     <dgm:pt modelId="{45C759F0-3F15-E94B-A056-89CE2F22D8C6}" type="pres">
-      <dgm:prSet presAssocID="{A4789E20-FE33-1F45-BED5-DF1DFF8B89EE}" presName="level" presStyleLbl="node1" presStyleIdx="2" presStyleCnt="6">
+      <dgm:prSet presAssocID="{A4789E20-FE33-1F45-BED5-DF1DFF8B89EE}" presName="level" presStyleLbl="node1" presStyleIdx="2" presStyleCnt="5">
         <dgm:presLayoutVars>
           <dgm:chMax val="1"/>
           <dgm:bulletEnabled val="1"/>
@@ -1326,13 +1298,20 @@
       <dgm:spPr/>
     </dgm:pt>
     <dgm:pt modelId="{53EDBEAE-2A19-E344-92BE-1CB8E0E3EB9F}" type="pres">
-      <dgm:prSet presAssocID="{31B470A3-C993-7945-9F26-09A8550B83AB}" presName="level" presStyleLbl="node1" presStyleIdx="3" presStyleCnt="6">
+      <dgm:prSet presAssocID="{31B470A3-C993-7945-9F26-09A8550B83AB}" presName="level" presStyleLbl="node1" presStyleIdx="3" presStyleCnt="5">
         <dgm:presLayoutVars>
           <dgm:chMax val="1"/>
           <dgm:bulletEnabled val="1"/>
         </dgm:presLayoutVars>
       </dgm:prSet>
       <dgm:spPr/>
+      <dgm:t>
+        <a:bodyPr/>
+        <a:lstStyle/>
+        <a:p>
+          <a:endParaRPr lang="en-US"/>
+        </a:p>
+      </dgm:t>
     </dgm:pt>
     <dgm:pt modelId="{78BBA46F-7073-3F47-A93B-2015DFF54F41}" type="pres">
       <dgm:prSet presAssocID="{31B470A3-C993-7945-9F26-09A8550B83AB}" presName="levelTx" presStyleLbl="revTx" presStyleIdx="0" presStyleCnt="0">
@@ -1342,19 +1321,33 @@
         </dgm:presLayoutVars>
       </dgm:prSet>
       <dgm:spPr/>
+      <dgm:t>
+        <a:bodyPr/>
+        <a:lstStyle/>
+        <a:p>
+          <a:endParaRPr lang="en-US"/>
+        </a:p>
+      </dgm:t>
     </dgm:pt>
     <dgm:pt modelId="{00D7C617-2DBC-E246-B435-0175CF799D4E}" type="pres">
       <dgm:prSet presAssocID="{F5F3850C-4FF0-314F-A37C-BF2917D2E13F}" presName="Name8" presStyleCnt="0"/>
       <dgm:spPr/>
     </dgm:pt>
     <dgm:pt modelId="{A27B9AF0-E6D2-2944-9364-B4DFC1D66CCA}" type="pres">
-      <dgm:prSet presAssocID="{F5F3850C-4FF0-314F-A37C-BF2917D2E13F}" presName="level" presStyleLbl="node1" presStyleIdx="4" presStyleCnt="6">
+      <dgm:prSet presAssocID="{F5F3850C-4FF0-314F-A37C-BF2917D2E13F}" presName="level" presStyleLbl="node1" presStyleIdx="4" presStyleCnt="5">
         <dgm:presLayoutVars>
           <dgm:chMax val="1"/>
           <dgm:bulletEnabled val="1"/>
         </dgm:presLayoutVars>
       </dgm:prSet>
       <dgm:spPr/>
+      <dgm:t>
+        <a:bodyPr/>
+        <a:lstStyle/>
+        <a:p>
+          <a:endParaRPr lang="en-US"/>
+        </a:p>
+      </dgm:t>
     </dgm:pt>
     <dgm:pt modelId="{26FD2644-51CC-8544-B7F1-DDE26D948061}" type="pres">
       <dgm:prSet presAssocID="{F5F3850C-4FF0-314F-A37C-BF2917D2E13F}" presName="levelTx" presStyleLbl="revTx" presStyleIdx="0" presStyleCnt="0">
@@ -1364,50 +1357,32 @@
         </dgm:presLayoutVars>
       </dgm:prSet>
       <dgm:spPr/>
-    </dgm:pt>
-    <dgm:pt modelId="{7D8B5AFF-FBE1-8946-8833-1B1CD9C482F7}" type="pres">
-      <dgm:prSet presAssocID="{E2BD3232-B3C5-5846-973B-CAB416210AF7}" presName="Name8" presStyleCnt="0"/>
-      <dgm:spPr/>
-    </dgm:pt>
-    <dgm:pt modelId="{23D1BA5E-7295-394F-AF6C-518945E16EB7}" type="pres">
-      <dgm:prSet presAssocID="{E2BD3232-B3C5-5846-973B-CAB416210AF7}" presName="level" presStyleLbl="node1" presStyleIdx="5" presStyleCnt="6">
-        <dgm:presLayoutVars>
-          <dgm:chMax val="1"/>
-          <dgm:bulletEnabled val="1"/>
-        </dgm:presLayoutVars>
-      </dgm:prSet>
-      <dgm:spPr/>
-    </dgm:pt>
-    <dgm:pt modelId="{071F1CAA-AA2A-974B-AB36-9F1835DAEB98}" type="pres">
-      <dgm:prSet presAssocID="{E2BD3232-B3C5-5846-973B-CAB416210AF7}" presName="levelTx" presStyleLbl="revTx" presStyleIdx="0" presStyleCnt="0">
-        <dgm:presLayoutVars>
-          <dgm:chMax val="1"/>
-          <dgm:bulletEnabled val="1"/>
-        </dgm:presLayoutVars>
-      </dgm:prSet>
-      <dgm:spPr/>
+      <dgm:t>
+        <a:bodyPr/>
+        <a:lstStyle/>
+        <a:p>
+          <a:endParaRPr lang="en-US"/>
+        </a:p>
+      </dgm:t>
     </dgm:pt>
   </dgm:ptLst>
   <dgm:cxnLst>
+    <dgm:cxn modelId="{64CFA027-405E-D847-82FE-1BE1EA9E3A44}" type="presOf" srcId="{B6D903BC-CD0E-B649-80B8-E4446B4ECAC2}" destId="{555F50E4-79CD-4F4D-9E53-425DFAB357F4}" srcOrd="0" destOrd="0" presId="urn:microsoft.com/office/officeart/2005/8/layout/pyramid3"/>
+    <dgm:cxn modelId="{5754AFC7-5652-DF4D-8358-49914BD29FA2}" srcId="{03EA627C-2A99-7849-BD7B-5229196A7433}" destId="{F5F3850C-4FF0-314F-A37C-BF2917D2E13F}" srcOrd="4" destOrd="0" parTransId="{9EF53E59-AEE3-724C-828C-E90FA596B8D2}" sibTransId="{A61E7F3C-45D4-AC41-BB49-1B588DC2E003}"/>
+    <dgm:cxn modelId="{8A7277CB-5DFA-8C40-B548-B121A7E960C5}" type="presOf" srcId="{065AC19B-E09F-3341-8984-518524F1C2D1}" destId="{1C88D5EE-9704-6F47-9ABD-8E63E9C13A10}" srcOrd="1" destOrd="0" presId="urn:microsoft.com/office/officeart/2005/8/layout/pyramid3"/>
+    <dgm:cxn modelId="{41195DB8-E2A0-D149-B6C1-A263109A0805}" srcId="{03EA627C-2A99-7849-BD7B-5229196A7433}" destId="{B6D903BC-CD0E-B649-80B8-E4446B4ECAC2}" srcOrd="1" destOrd="0" parTransId="{E2D43F21-6B50-624D-8CD3-9ADFD67D7E55}" sibTransId="{999B9750-4981-284F-9171-3A58D0B75E4D}"/>
     <dgm:cxn modelId="{E2414695-2799-E247-9C5F-B88210A23EFA}" type="presOf" srcId="{F5F3850C-4FF0-314F-A37C-BF2917D2E13F}" destId="{26FD2644-51CC-8544-B7F1-DDE26D948061}" srcOrd="1" destOrd="0" presId="urn:microsoft.com/office/officeart/2005/8/layout/pyramid3"/>
-    <dgm:cxn modelId="{C6EFDC9C-13E6-D645-BA30-94B6275EE058}" type="presOf" srcId="{A4789E20-FE33-1F45-BED5-DF1DFF8B89EE}" destId="{45C759F0-3F15-E94B-A056-89CE2F22D8C6}" srcOrd="0" destOrd="0" presId="urn:microsoft.com/office/officeart/2005/8/layout/pyramid3"/>
+    <dgm:cxn modelId="{F1F0E4BB-0787-8343-9019-FA0160841F84}" type="presOf" srcId="{065AC19B-E09F-3341-8984-518524F1C2D1}" destId="{F965BAED-E372-2E46-9D4A-6642765FF85D}" srcOrd="0" destOrd="0" presId="urn:microsoft.com/office/officeart/2005/8/layout/pyramid3"/>
     <dgm:cxn modelId="{00C9C048-EB4B-6146-9C97-AD928732D560}" type="presOf" srcId="{31B470A3-C993-7945-9F26-09A8550B83AB}" destId="{78BBA46F-7073-3F47-A93B-2015DFF54F41}" srcOrd="1" destOrd="0" presId="urn:microsoft.com/office/officeart/2005/8/layout/pyramid3"/>
-    <dgm:cxn modelId="{6FA3CE4F-79B0-6F4C-A2CB-7C5F93631BBB}" type="presOf" srcId="{B6D903BC-CD0E-B649-80B8-E4446B4ECAC2}" destId="{5F747A72-DFBF-684F-B8CA-B7BE3CFEB968}" srcOrd="1" destOrd="0" presId="urn:microsoft.com/office/officeart/2005/8/layout/pyramid3"/>
-    <dgm:cxn modelId="{96BA68E3-F6A0-234F-A835-475B2EA7E8DE}" type="presOf" srcId="{A4789E20-FE33-1F45-BED5-DF1DFF8B89EE}" destId="{6B1E5C8F-75F9-C942-B8CD-9203F46AB9DB}" srcOrd="1" destOrd="0" presId="urn:microsoft.com/office/officeart/2005/8/layout/pyramid3"/>
+    <dgm:cxn modelId="{024D7C95-7AE5-0148-BE99-48FA3CF4483E}" type="presOf" srcId="{F5F3850C-4FF0-314F-A37C-BF2917D2E13F}" destId="{A27B9AF0-E6D2-2944-9364-B4DFC1D66CCA}" srcOrd="0" destOrd="0" presId="urn:microsoft.com/office/officeart/2005/8/layout/pyramid3"/>
     <dgm:cxn modelId="{8E5D6B0D-4E7F-E14D-B5A1-9651885839DC}" type="presOf" srcId="{31B470A3-C993-7945-9F26-09A8550B83AB}" destId="{53EDBEAE-2A19-E344-92BE-1CB8E0E3EB9F}" srcOrd="0" destOrd="0" presId="urn:microsoft.com/office/officeart/2005/8/layout/pyramid3"/>
+    <dgm:cxn modelId="{DE9F26A9-2B36-C844-8D77-1FCA56B24F3F}" srcId="{03EA627C-2A99-7849-BD7B-5229196A7433}" destId="{A4789E20-FE33-1F45-BED5-DF1DFF8B89EE}" srcOrd="2" destOrd="0" parTransId="{5A6CBBB1-1AEE-6847-AE06-2F5FEAD3C662}" sibTransId="{A9070D89-A39B-0F47-8414-6702BCC70CD9}"/>
+    <dgm:cxn modelId="{6280FB9F-142D-FC41-8199-558E037D212D}" srcId="{03EA627C-2A99-7849-BD7B-5229196A7433}" destId="{31B470A3-C993-7945-9F26-09A8550B83AB}" srcOrd="3" destOrd="0" parTransId="{05AA73BB-76DB-D94B-8C5C-4F0BB1D262BA}" sibTransId="{C1B7D8E1-2DE2-F545-B18C-96D6B7292AF3}"/>
     <dgm:cxn modelId="{1FFA68D9-9214-9D4A-8702-5A9F100CC815}" srcId="{03EA627C-2A99-7849-BD7B-5229196A7433}" destId="{065AC19B-E09F-3341-8984-518524F1C2D1}" srcOrd="0" destOrd="0" parTransId="{887B26F2-CB53-2248-81CF-92813B9A6A2E}" sibTransId="{76648817-81B8-A641-B227-53CB8319F195}"/>
     <dgm:cxn modelId="{066625DB-29BC-A24E-9F8F-38600E012609}" type="presOf" srcId="{03EA627C-2A99-7849-BD7B-5229196A7433}" destId="{82BEF124-6F0B-DD46-9FAB-4923D90C3B9E}" srcOrd="0" destOrd="0" presId="urn:microsoft.com/office/officeart/2005/8/layout/pyramid3"/>
-    <dgm:cxn modelId="{DE9F26A9-2B36-C844-8D77-1FCA56B24F3F}" srcId="{03EA627C-2A99-7849-BD7B-5229196A7433}" destId="{A4789E20-FE33-1F45-BED5-DF1DFF8B89EE}" srcOrd="2" destOrd="0" parTransId="{5A6CBBB1-1AEE-6847-AE06-2F5FEAD3C662}" sibTransId="{A9070D89-A39B-0F47-8414-6702BCC70CD9}"/>
-    <dgm:cxn modelId="{CB731E0F-FD84-4746-8260-6E6DF341871D}" type="presOf" srcId="{E2BD3232-B3C5-5846-973B-CAB416210AF7}" destId="{23D1BA5E-7295-394F-AF6C-518945E16EB7}" srcOrd="0" destOrd="0" presId="urn:microsoft.com/office/officeart/2005/8/layout/pyramid3"/>
-    <dgm:cxn modelId="{8A7277CB-5DFA-8C40-B548-B121A7E960C5}" type="presOf" srcId="{065AC19B-E09F-3341-8984-518524F1C2D1}" destId="{1C88D5EE-9704-6F47-9ABD-8E63E9C13A10}" srcOrd="1" destOrd="0" presId="urn:microsoft.com/office/officeart/2005/8/layout/pyramid3"/>
-    <dgm:cxn modelId="{F1F0E4BB-0787-8343-9019-FA0160841F84}" type="presOf" srcId="{065AC19B-E09F-3341-8984-518524F1C2D1}" destId="{F965BAED-E372-2E46-9D4A-6642765FF85D}" srcOrd="0" destOrd="0" presId="urn:microsoft.com/office/officeart/2005/8/layout/pyramid3"/>
-    <dgm:cxn modelId="{64CFA027-405E-D847-82FE-1BE1EA9E3A44}" type="presOf" srcId="{B6D903BC-CD0E-B649-80B8-E4446B4ECAC2}" destId="{555F50E4-79CD-4F4D-9E53-425DFAB357F4}" srcOrd="0" destOrd="0" presId="urn:microsoft.com/office/officeart/2005/8/layout/pyramid3"/>
-    <dgm:cxn modelId="{C653893D-569B-354B-904A-DE9A794A9E73}" type="presOf" srcId="{E2BD3232-B3C5-5846-973B-CAB416210AF7}" destId="{071F1CAA-AA2A-974B-AB36-9F1835DAEB98}" srcOrd="1" destOrd="0" presId="urn:microsoft.com/office/officeart/2005/8/layout/pyramid3"/>
-    <dgm:cxn modelId="{41195DB8-E2A0-D149-B6C1-A263109A0805}" srcId="{03EA627C-2A99-7849-BD7B-5229196A7433}" destId="{B6D903BC-CD0E-B649-80B8-E4446B4ECAC2}" srcOrd="1" destOrd="0" parTransId="{E2D43F21-6B50-624D-8CD3-9ADFD67D7E55}" sibTransId="{999B9750-4981-284F-9171-3A58D0B75E4D}"/>
-    <dgm:cxn modelId="{6280FB9F-142D-FC41-8199-558E037D212D}" srcId="{03EA627C-2A99-7849-BD7B-5229196A7433}" destId="{31B470A3-C993-7945-9F26-09A8550B83AB}" srcOrd="3" destOrd="0" parTransId="{05AA73BB-76DB-D94B-8C5C-4F0BB1D262BA}" sibTransId="{C1B7D8E1-2DE2-F545-B18C-96D6B7292AF3}"/>
-    <dgm:cxn modelId="{024D7C95-7AE5-0148-BE99-48FA3CF4483E}" type="presOf" srcId="{F5F3850C-4FF0-314F-A37C-BF2917D2E13F}" destId="{A27B9AF0-E6D2-2944-9364-B4DFC1D66CCA}" srcOrd="0" destOrd="0" presId="urn:microsoft.com/office/officeart/2005/8/layout/pyramid3"/>
-    <dgm:cxn modelId="{5754AFC7-5652-DF4D-8358-49914BD29FA2}" srcId="{03EA627C-2A99-7849-BD7B-5229196A7433}" destId="{F5F3850C-4FF0-314F-A37C-BF2917D2E13F}" srcOrd="4" destOrd="0" parTransId="{9EF53E59-AEE3-724C-828C-E90FA596B8D2}" sibTransId="{A61E7F3C-45D4-AC41-BB49-1B588DC2E003}"/>
-    <dgm:cxn modelId="{4110CD11-CC53-4A4C-B455-A4F74CF066CE}" srcId="{03EA627C-2A99-7849-BD7B-5229196A7433}" destId="{E2BD3232-B3C5-5846-973B-CAB416210AF7}" srcOrd="5" destOrd="0" parTransId="{BF0D36C8-711A-E74D-9D4F-18CA28980DC7}" sibTransId="{5499C786-4E94-7841-BFFB-F18A8694E646}"/>
+    <dgm:cxn modelId="{6FA3CE4F-79B0-6F4C-A2CB-7C5F93631BBB}" type="presOf" srcId="{B6D903BC-CD0E-B649-80B8-E4446B4ECAC2}" destId="{5F747A72-DFBF-684F-B8CA-B7BE3CFEB968}" srcOrd="1" destOrd="0" presId="urn:microsoft.com/office/officeart/2005/8/layout/pyramid3"/>
+    <dgm:cxn modelId="{C6EFDC9C-13E6-D645-BA30-94B6275EE058}" type="presOf" srcId="{A4789E20-FE33-1F45-BED5-DF1DFF8B89EE}" destId="{45C759F0-3F15-E94B-A056-89CE2F22D8C6}" srcOrd="0" destOrd="0" presId="urn:microsoft.com/office/officeart/2005/8/layout/pyramid3"/>
+    <dgm:cxn modelId="{96BA68E3-F6A0-234F-A835-475B2EA7E8DE}" type="presOf" srcId="{A4789E20-FE33-1F45-BED5-DF1DFF8B89EE}" destId="{6B1E5C8F-75F9-C942-B8CD-9203F46AB9DB}" srcOrd="1" destOrd="0" presId="urn:microsoft.com/office/officeart/2005/8/layout/pyramid3"/>
     <dgm:cxn modelId="{6BF6AA57-00C0-7C48-9FF0-335859C4160E}" type="presParOf" srcId="{82BEF124-6F0B-DD46-9FAB-4923D90C3B9E}" destId="{6031BB2D-7ACF-A140-8F3B-FF6B461A2C87}" srcOrd="0" destOrd="0" presId="urn:microsoft.com/office/officeart/2005/8/layout/pyramid3"/>
     <dgm:cxn modelId="{C443D31C-8C63-424F-B14F-5F4A88A439F8}" type="presParOf" srcId="{6031BB2D-7ACF-A140-8F3B-FF6B461A2C87}" destId="{F965BAED-E372-2E46-9D4A-6642765FF85D}" srcOrd="0" destOrd="0" presId="urn:microsoft.com/office/officeart/2005/8/layout/pyramid3"/>
     <dgm:cxn modelId="{4B79B0DC-A112-B84A-9288-D4A513C7CC8D}" type="presParOf" srcId="{6031BB2D-7ACF-A140-8F3B-FF6B461A2C87}" destId="{1C88D5EE-9704-6F47-9ABD-8E63E9C13A10}" srcOrd="1" destOrd="0" presId="urn:microsoft.com/office/officeart/2005/8/layout/pyramid3"/>
@@ -1423,9 +1398,6 @@
     <dgm:cxn modelId="{11E606A7-20A1-9D45-90CA-AC68270C3C7C}" type="presParOf" srcId="{82BEF124-6F0B-DD46-9FAB-4923D90C3B9E}" destId="{00D7C617-2DBC-E246-B435-0175CF799D4E}" srcOrd="4" destOrd="0" presId="urn:microsoft.com/office/officeart/2005/8/layout/pyramid3"/>
     <dgm:cxn modelId="{2E049A89-CC88-6E40-9F76-4EF12F1023A5}" type="presParOf" srcId="{00D7C617-2DBC-E246-B435-0175CF799D4E}" destId="{A27B9AF0-E6D2-2944-9364-B4DFC1D66CCA}" srcOrd="0" destOrd="0" presId="urn:microsoft.com/office/officeart/2005/8/layout/pyramid3"/>
     <dgm:cxn modelId="{333B0020-1E57-6948-96CC-FF60A4A95D1C}" type="presParOf" srcId="{00D7C617-2DBC-E246-B435-0175CF799D4E}" destId="{26FD2644-51CC-8544-B7F1-DDE26D948061}" srcOrd="1" destOrd="0" presId="urn:microsoft.com/office/officeart/2005/8/layout/pyramid3"/>
-    <dgm:cxn modelId="{79E1173A-14B4-1941-B656-C18C8D972D4B}" type="presParOf" srcId="{82BEF124-6F0B-DD46-9FAB-4923D90C3B9E}" destId="{7D8B5AFF-FBE1-8946-8833-1B1CD9C482F7}" srcOrd="5" destOrd="0" presId="urn:microsoft.com/office/officeart/2005/8/layout/pyramid3"/>
-    <dgm:cxn modelId="{8C8638F5-FA0A-FB44-9559-E019E74C5155}" type="presParOf" srcId="{7D8B5AFF-FBE1-8946-8833-1B1CD9C482F7}" destId="{23D1BA5E-7295-394F-AF6C-518945E16EB7}" srcOrd="0" destOrd="0" presId="urn:microsoft.com/office/officeart/2005/8/layout/pyramid3"/>
-    <dgm:cxn modelId="{C0D2C394-E75F-F147-9D17-A80B3B20C01C}" type="presParOf" srcId="{7D8B5AFF-FBE1-8946-8833-1B1CD9C482F7}" destId="{071F1CAA-AA2A-974B-AB36-9F1835DAEB98}" srcOrd="1" destOrd="0" presId="urn:microsoft.com/office/officeart/2005/8/layout/pyramid3"/>
   </dgm:cxnLst>
   <dgm:bg/>
   <dgm:whole/>
@@ -1453,7 +1425,7 @@
       <dsp:spPr>
         <a:xfrm rot="10800000">
           <a:off x="0" y="0"/>
-          <a:ext cx="6096000" cy="677333"/>
+          <a:ext cx="6096000" cy="812799"/>
         </a:xfrm>
         <a:prstGeom prst="trapezoid">
           <a:avLst>
@@ -1515,12 +1487,12 @@
         </a:fontRef>
       </dsp:style>
       <dsp:txBody>
-        <a:bodyPr spcFirstLastPara="0" vert="horz" wrap="square" lIns="31750" tIns="31750" rIns="31750" bIns="31750" numCol="1" spcCol="1270" anchor="ctr" anchorCtr="0">
+        <a:bodyPr spcFirstLastPara="0" vert="horz" wrap="square" lIns="33020" tIns="33020" rIns="33020" bIns="33020" numCol="1" spcCol="1270" anchor="ctr" anchorCtr="0">
           <a:noAutofit/>
         </a:bodyPr>
         <a:lstStyle/>
         <a:p>
-          <a:pPr lvl="0" algn="ctr" defTabSz="1111250">
+          <a:pPr lvl="0" algn="ctr" defTabSz="1155700">
             <a:lnSpc>
               <a:spcPct val="90000"/>
             </a:lnSpc>
@@ -1532,15 +1504,15 @@
             </a:spcAft>
           </a:pPr>
           <a:r>
-            <a:rPr lang="en-US" sz="2500" kern="1200" dirty="0" smtClean="0"/>
+            <a:rPr lang="en-US" sz="2600" kern="1200" dirty="0" smtClean="0"/>
             <a:t>Mobile Money Exposure</a:t>
           </a:r>
-          <a:endParaRPr lang="en-US" sz="2500" kern="1200" dirty="0"/>
+          <a:endParaRPr lang="en-US" sz="2600" kern="1200" dirty="0"/>
         </a:p>
       </dsp:txBody>
       <dsp:txXfrm rot="-10800000">
         <a:off x="1066799" y="0"/>
-        <a:ext cx="3962400" cy="677333"/>
+        <a:ext cx="3962400" cy="812799"/>
       </dsp:txXfrm>
     </dsp:sp>
     <dsp:sp modelId="{555F50E4-79CD-4F4D-9E53-425DFAB357F4}">
@@ -1550,8 +1522,8 @@
       </dsp:nvSpPr>
       <dsp:spPr>
         <a:xfrm rot="10800000">
-          <a:off x="507999" y="677333"/>
-          <a:ext cx="5080000" cy="677333"/>
+          <a:off x="609600" y="812800"/>
+          <a:ext cx="4876800" cy="812799"/>
         </a:xfrm>
         <a:prstGeom prst="trapezoid">
           <a:avLst>
@@ -1563,9 +1535,9 @@
             <a:gs pos="0">
               <a:schemeClr val="accent1">
                 <a:shade val="80000"/>
-                <a:hueOff val="61249"/>
-                <a:satOff val="-878"/>
-                <a:lumOff val="5123"/>
+                <a:hueOff val="76562"/>
+                <a:satOff val="-1098"/>
+                <a:lumOff val="6404"/>
                 <a:alphaOff val="0"/>
                 <a:tint val="100000"/>
                 <a:shade val="100000"/>
@@ -1575,9 +1547,9 @@
             <a:gs pos="100000">
               <a:schemeClr val="accent1">
                 <a:shade val="80000"/>
-                <a:hueOff val="61249"/>
-                <a:satOff val="-878"/>
-                <a:lumOff val="5123"/>
+                <a:hueOff val="76562"/>
+                <a:satOff val="-1098"/>
+                <a:lumOff val="6404"/>
                 <a:alphaOff val="0"/>
                 <a:tint val="50000"/>
                 <a:shade val="100000"/>
@@ -1613,12 +1585,12 @@
         </a:fontRef>
       </dsp:style>
       <dsp:txBody>
-        <a:bodyPr spcFirstLastPara="0" vert="horz" wrap="square" lIns="31750" tIns="31750" rIns="31750" bIns="31750" numCol="1" spcCol="1270" anchor="ctr" anchorCtr="0">
+        <a:bodyPr spcFirstLastPara="0" vert="horz" wrap="square" lIns="33020" tIns="33020" rIns="33020" bIns="33020" numCol="1" spcCol="1270" anchor="ctr" anchorCtr="0">
           <a:noAutofit/>
         </a:bodyPr>
         <a:lstStyle/>
         <a:p>
-          <a:pPr lvl="0" algn="ctr" defTabSz="1111250">
+          <a:pPr lvl="0" algn="ctr" defTabSz="1155700">
             <a:lnSpc>
               <a:spcPct val="90000"/>
             </a:lnSpc>
@@ -1630,15 +1602,15 @@
             </a:spcAft>
           </a:pPr>
           <a:r>
-            <a:rPr lang="en-US" sz="2500" kern="1200" dirty="0" smtClean="0"/>
+            <a:rPr lang="en-US" sz="2600" kern="1200" dirty="0" smtClean="0"/>
             <a:t>MM Enrollment</a:t>
           </a:r>
-          <a:endParaRPr lang="en-US" sz="2500" kern="1200" dirty="0"/>
+          <a:endParaRPr lang="en-US" sz="2600" kern="1200" dirty="0"/>
         </a:p>
       </dsp:txBody>
       <dsp:txXfrm rot="-10800000">
-        <a:off x="1396999" y="677333"/>
-        <a:ext cx="3302000" cy="677333"/>
+        <a:off x="1463039" y="812800"/>
+        <a:ext cx="3169920" cy="812799"/>
       </dsp:txXfrm>
     </dsp:sp>
     <dsp:sp modelId="{45C759F0-3F15-E94B-A056-89CE2F22D8C6}">
@@ -1648,8 +1620,8 @@
       </dsp:nvSpPr>
       <dsp:spPr>
         <a:xfrm rot="10800000">
-          <a:off x="1015999" y="1354666"/>
-          <a:ext cx="4064000" cy="677333"/>
+          <a:off x="1219200" y="1625600"/>
+          <a:ext cx="3657600" cy="812799"/>
         </a:xfrm>
         <a:prstGeom prst="trapezoid">
           <a:avLst>
@@ -1661,9 +1633,9 @@
             <a:gs pos="0">
               <a:schemeClr val="accent1">
                 <a:shade val="80000"/>
-                <a:hueOff val="122499"/>
-                <a:satOff val="-1757"/>
-                <a:lumOff val="10246"/>
+                <a:hueOff val="153123"/>
+                <a:satOff val="-2196"/>
+                <a:lumOff val="12807"/>
                 <a:alphaOff val="0"/>
                 <a:tint val="100000"/>
                 <a:shade val="100000"/>
@@ -1673,9 +1645,9 @@
             <a:gs pos="100000">
               <a:schemeClr val="accent1">
                 <a:shade val="80000"/>
-                <a:hueOff val="122499"/>
-                <a:satOff val="-1757"/>
-                <a:lumOff val="10246"/>
+                <a:hueOff val="153123"/>
+                <a:satOff val="-2196"/>
+                <a:lumOff val="12807"/>
                 <a:alphaOff val="0"/>
                 <a:tint val="50000"/>
                 <a:shade val="100000"/>
@@ -1711,12 +1683,12 @@
         </a:fontRef>
       </dsp:style>
       <dsp:txBody>
-        <a:bodyPr spcFirstLastPara="0" vert="horz" wrap="square" lIns="31750" tIns="31750" rIns="31750" bIns="31750" numCol="1" spcCol="1270" anchor="ctr" anchorCtr="0">
+        <a:bodyPr spcFirstLastPara="0" vert="horz" wrap="square" lIns="27940" tIns="27940" rIns="27940" bIns="27940" numCol="1" spcCol="1270" anchor="ctr" anchorCtr="0">
           <a:noAutofit/>
         </a:bodyPr>
         <a:lstStyle/>
         <a:p>
-          <a:pPr lvl="0" algn="ctr" defTabSz="1111250">
+          <a:pPr lvl="0" algn="ctr" defTabSz="977900">
             <a:lnSpc>
               <a:spcPct val="90000"/>
             </a:lnSpc>
@@ -1728,15 +1700,18 @@
             </a:spcAft>
           </a:pPr>
           <a:r>
-            <a:rPr lang="en-US" sz="2500" kern="1200" dirty="0" smtClean="0"/>
-            <a:t>MM Usage</a:t>
+            <a:rPr lang="en-US" sz="2200" kern="1200" dirty="0" smtClean="0"/>
+            <a:t>MM </a:t>
           </a:r>
-          <a:endParaRPr lang="en-US" sz="2500" kern="1200" dirty="0"/>
+          <a:r>
+            <a:rPr lang="en-US" sz="2200" kern="1200" dirty="0" smtClean="0"/>
+            <a:t>Usage</a:t>
+          </a:r>
         </a:p>
       </dsp:txBody>
       <dsp:txXfrm rot="-10800000">
-        <a:off x="1727199" y="1354666"/>
-        <a:ext cx="2641600" cy="677333"/>
+        <a:off x="1859280" y="1625600"/>
+        <a:ext cx="2377440" cy="812799"/>
       </dsp:txXfrm>
     </dsp:sp>
     <dsp:sp modelId="{53EDBEAE-2A19-E344-92BE-1CB8E0E3EB9F}">
@@ -1746,8 +1721,8 @@
       </dsp:nvSpPr>
       <dsp:spPr>
         <a:xfrm rot="10800000">
-          <a:off x="1523999" y="2032000"/>
-          <a:ext cx="3048000" cy="677333"/>
+          <a:off x="1828800" y="2438400"/>
+          <a:ext cx="2438400" cy="812799"/>
         </a:xfrm>
         <a:prstGeom prst="trapezoid">
           <a:avLst>
@@ -1759,9 +1734,9 @@
             <a:gs pos="0">
               <a:schemeClr val="accent1">
                 <a:shade val="80000"/>
-                <a:hueOff val="183748"/>
-                <a:satOff val="-2635"/>
-                <a:lumOff val="15369"/>
+                <a:hueOff val="229685"/>
+                <a:satOff val="-3294"/>
+                <a:lumOff val="19211"/>
                 <a:alphaOff val="0"/>
                 <a:tint val="100000"/>
                 <a:shade val="100000"/>
@@ -1771,9 +1746,9 @@
             <a:gs pos="100000">
               <a:schemeClr val="accent1">
                 <a:shade val="80000"/>
-                <a:hueOff val="183748"/>
-                <a:satOff val="-2635"/>
-                <a:lumOff val="15369"/>
+                <a:hueOff val="229685"/>
+                <a:satOff val="-3294"/>
+                <a:lumOff val="19211"/>
                 <a:alphaOff val="0"/>
                 <a:tint val="50000"/>
                 <a:shade val="100000"/>
@@ -1809,12 +1784,12 @@
         </a:fontRef>
       </dsp:style>
       <dsp:txBody>
-        <a:bodyPr spcFirstLastPara="0" vert="horz" wrap="square" lIns="31750" tIns="31750" rIns="31750" bIns="31750" numCol="1" spcCol="1270" anchor="ctr" anchorCtr="0">
+        <a:bodyPr spcFirstLastPara="0" vert="horz" wrap="square" lIns="33020" tIns="33020" rIns="33020" bIns="33020" numCol="1" spcCol="1270" anchor="ctr" anchorCtr="0">
           <a:noAutofit/>
         </a:bodyPr>
         <a:lstStyle/>
         <a:p>
-          <a:pPr lvl="0" algn="ctr" defTabSz="1111250">
+          <a:pPr lvl="0" algn="ctr" defTabSz="1155700">
             <a:lnSpc>
               <a:spcPct val="90000"/>
             </a:lnSpc>
@@ -1826,15 +1801,15 @@
             </a:spcAft>
           </a:pPr>
           <a:r>
-            <a:rPr lang="en-US" sz="2500" kern="1200" smtClean="0"/>
+            <a:rPr lang="en-US" sz="2600" kern="1200" smtClean="0"/>
             <a:t>MM Retention</a:t>
           </a:r>
-          <a:endParaRPr lang="en-US" sz="2500" kern="1200" dirty="0"/>
+          <a:endParaRPr lang="en-US" sz="2600" kern="1200" dirty="0"/>
         </a:p>
       </dsp:txBody>
       <dsp:txXfrm rot="-10800000">
-        <a:off x="2057399" y="2032000"/>
-        <a:ext cx="1981200" cy="677333"/>
+        <a:off x="2255520" y="2438400"/>
+        <a:ext cx="1584960" cy="812799"/>
       </dsp:txXfrm>
     </dsp:sp>
     <dsp:sp modelId="{A27B9AF0-E6D2-2944-9364-B4DFC1D66CCA}">
@@ -1844,102 +1819,8 @@
       </dsp:nvSpPr>
       <dsp:spPr>
         <a:xfrm rot="10800000">
-          <a:off x="2032000" y="2709333"/>
-          <a:ext cx="2032000" cy="677333"/>
-        </a:xfrm>
-        <a:prstGeom prst="trapezoid">
-          <a:avLst>
-            <a:gd name="adj" fmla="val 75000"/>
-          </a:avLst>
-        </a:prstGeom>
-        <a:gradFill rotWithShape="0">
-          <a:gsLst>
-            <a:gs pos="0">
-              <a:schemeClr val="accent1">
-                <a:shade val="80000"/>
-                <a:hueOff val="244997"/>
-                <a:satOff val="-3514"/>
-                <a:lumOff val="20492"/>
-                <a:alphaOff val="0"/>
-                <a:tint val="100000"/>
-                <a:shade val="100000"/>
-                <a:satMod val="130000"/>
-              </a:schemeClr>
-            </a:gs>
-            <a:gs pos="100000">
-              <a:schemeClr val="accent1">
-                <a:shade val="80000"/>
-                <a:hueOff val="244997"/>
-                <a:satOff val="-3514"/>
-                <a:lumOff val="20492"/>
-                <a:alphaOff val="0"/>
-                <a:tint val="50000"/>
-                <a:shade val="100000"/>
-                <a:satMod val="350000"/>
-              </a:schemeClr>
-            </a:gs>
-          </a:gsLst>
-          <a:lin ang="16200000" scaled="0"/>
-        </a:gradFill>
-        <a:ln>
-          <a:noFill/>
-        </a:ln>
-        <a:effectLst>
-          <a:outerShdw blurRad="40000" dist="23000" dir="5400000" rotWithShape="0">
-            <a:srgbClr val="000000">
-              <a:alpha val="35000"/>
-            </a:srgbClr>
-          </a:outerShdw>
-        </a:effectLst>
-      </dsp:spPr>
-      <dsp:style>
-        <a:lnRef idx="0">
-          <a:scrgbClr r="0" g="0" b="0"/>
-        </a:lnRef>
-        <a:fillRef idx="3">
-          <a:scrgbClr r="0" g="0" b="0"/>
-        </a:fillRef>
-        <a:effectRef idx="2">
-          <a:scrgbClr r="0" g="0" b="0"/>
-        </a:effectRef>
-        <a:fontRef idx="minor">
-          <a:schemeClr val="lt1"/>
-        </a:fontRef>
-      </dsp:style>
-      <dsp:txBody>
-        <a:bodyPr spcFirstLastPara="0" vert="horz" wrap="square" lIns="31750" tIns="31750" rIns="31750" bIns="31750" numCol="1" spcCol="1270" anchor="ctr" anchorCtr="0">
-          <a:noAutofit/>
-        </a:bodyPr>
-        <a:lstStyle/>
-        <a:p>
-          <a:pPr lvl="0" algn="ctr" defTabSz="1111250">
-            <a:lnSpc>
-              <a:spcPct val="90000"/>
-            </a:lnSpc>
-            <a:spcBef>
-              <a:spcPct val="0"/>
-            </a:spcBef>
-            <a:spcAft>
-              <a:spcPct val="35000"/>
-            </a:spcAft>
-          </a:pPr>
-          <a:endParaRPr lang="en-US" sz="2500" kern="1200" dirty="0"/>
-        </a:p>
-      </dsp:txBody>
-      <dsp:txXfrm rot="-10800000">
-        <a:off x="2387600" y="2709333"/>
-        <a:ext cx="1320800" cy="677333"/>
-      </dsp:txXfrm>
-    </dsp:sp>
-    <dsp:sp modelId="{23D1BA5E-7295-394F-AF6C-518945E16EB7}">
-      <dsp:nvSpPr>
-        <dsp:cNvPr id="0" name=""/>
-        <dsp:cNvSpPr/>
-      </dsp:nvSpPr>
-      <dsp:spPr>
-        <a:xfrm rot="10800000">
-          <a:off x="2540000" y="3386666"/>
-          <a:ext cx="1016000" cy="677333"/>
+          <a:off x="2438400" y="3251199"/>
+          <a:ext cx="1219200" cy="812799"/>
         </a:xfrm>
         <a:prstGeom prst="trapezoid">
           <a:avLst>
@@ -2001,12 +1882,12 @@
         </a:fontRef>
       </dsp:style>
       <dsp:txBody>
-        <a:bodyPr spcFirstLastPara="0" vert="horz" wrap="square" lIns="31750" tIns="31750" rIns="31750" bIns="31750" numCol="1" spcCol="1270" anchor="ctr" anchorCtr="0">
+        <a:bodyPr spcFirstLastPara="0" vert="horz" wrap="square" lIns="33020" tIns="33020" rIns="33020" bIns="33020" numCol="1" spcCol="1270" anchor="ctr" anchorCtr="0">
           <a:noAutofit/>
         </a:bodyPr>
         <a:lstStyle/>
         <a:p>
-          <a:pPr lvl="0" algn="ctr" defTabSz="1111250">
+          <a:pPr lvl="0" algn="ctr" defTabSz="1155700">
             <a:lnSpc>
               <a:spcPct val="90000"/>
             </a:lnSpc>
@@ -2017,12 +1898,12 @@
               <a:spcPct val="35000"/>
             </a:spcAft>
           </a:pPr>
-          <a:endParaRPr lang="en-US" sz="2500" kern="1200" dirty="0"/>
+          <a:endParaRPr lang="en-US" sz="2600" kern="1200" dirty="0"/>
         </a:p>
       </dsp:txBody>
       <dsp:txXfrm rot="-10800000">
-        <a:off x="2540000" y="3386666"/>
-        <a:ext cx="1016000" cy="677333"/>
+        <a:off x="2438400" y="3251199"/>
+        <a:ext cx="1219200" cy="812799"/>
       </dsp:txXfrm>
     </dsp:sp>
   </dsp:spTree>
@@ -3476,7 +3357,7 @@
           <a:p>
             <a:fld id="{30626BF0-5E9B-D140-AF66-FF22DD2F9E39}" type="datetimeFigureOut">
               <a:rPr lang="en-US" smtClean="0"/>
-              <a:t>10/5/16</a:t>
+              <a:t>10/6/16</a:t>
             </a:fld>
             <a:endParaRPr lang="en-US"/>
           </a:p>
@@ -3646,7 +3527,7 @@
           <a:p>
             <a:fld id="{30626BF0-5E9B-D140-AF66-FF22DD2F9E39}" type="datetimeFigureOut">
               <a:rPr lang="en-US" smtClean="0"/>
-              <a:t>10/5/16</a:t>
+              <a:t>10/6/16</a:t>
             </a:fld>
             <a:endParaRPr lang="en-US"/>
           </a:p>
@@ -3826,7 +3707,7 @@
           <a:p>
             <a:fld id="{30626BF0-5E9B-D140-AF66-FF22DD2F9E39}" type="datetimeFigureOut">
               <a:rPr lang="en-US" smtClean="0"/>
-              <a:t>10/5/16</a:t>
+              <a:t>10/6/16</a:t>
             </a:fld>
             <a:endParaRPr lang="en-US"/>
           </a:p>
@@ -3996,7 +3877,7 @@
           <a:p>
             <a:fld id="{30626BF0-5E9B-D140-AF66-FF22DD2F9E39}" type="datetimeFigureOut">
               <a:rPr lang="en-US" smtClean="0"/>
-              <a:t>10/5/16</a:t>
+              <a:t>10/6/16</a:t>
             </a:fld>
             <a:endParaRPr lang="en-US"/>
           </a:p>
@@ -4242,7 +4123,7 @@
           <a:p>
             <a:fld id="{30626BF0-5E9B-D140-AF66-FF22DD2F9E39}" type="datetimeFigureOut">
               <a:rPr lang="en-US" smtClean="0"/>
-              <a:t>10/5/16</a:t>
+              <a:t>10/6/16</a:t>
             </a:fld>
             <a:endParaRPr lang="en-US"/>
           </a:p>
@@ -4530,7 +4411,7 @@
           <a:p>
             <a:fld id="{30626BF0-5E9B-D140-AF66-FF22DD2F9E39}" type="datetimeFigureOut">
               <a:rPr lang="en-US" smtClean="0"/>
-              <a:t>10/5/16</a:t>
+              <a:t>10/6/16</a:t>
             </a:fld>
             <a:endParaRPr lang="en-US"/>
           </a:p>
@@ -4952,7 +4833,7 @@
           <a:p>
             <a:fld id="{30626BF0-5E9B-D140-AF66-FF22DD2F9E39}" type="datetimeFigureOut">
               <a:rPr lang="en-US" smtClean="0"/>
-              <a:t>10/5/16</a:t>
+              <a:t>10/6/16</a:t>
             </a:fld>
             <a:endParaRPr lang="en-US"/>
           </a:p>
@@ -5070,7 +4951,7 @@
           <a:p>
             <a:fld id="{30626BF0-5E9B-D140-AF66-FF22DD2F9E39}" type="datetimeFigureOut">
               <a:rPr lang="en-US" smtClean="0"/>
-              <a:t>10/5/16</a:t>
+              <a:t>10/6/16</a:t>
             </a:fld>
             <a:endParaRPr lang="en-US"/>
           </a:p>
@@ -5165,7 +5046,7 @@
           <a:p>
             <a:fld id="{30626BF0-5E9B-D140-AF66-FF22DD2F9E39}" type="datetimeFigureOut">
               <a:rPr lang="en-US" smtClean="0"/>
-              <a:t>10/5/16</a:t>
+              <a:t>10/6/16</a:t>
             </a:fld>
             <a:endParaRPr lang="en-US"/>
           </a:p>
@@ -5442,7 +5323,7 @@
           <a:p>
             <a:fld id="{30626BF0-5E9B-D140-AF66-FF22DD2F9E39}" type="datetimeFigureOut">
               <a:rPr lang="en-US" smtClean="0"/>
-              <a:t>10/5/16</a:t>
+              <a:t>10/6/16</a:t>
             </a:fld>
             <a:endParaRPr lang="en-US"/>
           </a:p>
@@ -5695,7 +5576,7 @@
           <a:p>
             <a:fld id="{30626BF0-5E9B-D140-AF66-FF22DD2F9E39}" type="datetimeFigureOut">
               <a:rPr lang="en-US" smtClean="0"/>
-              <a:t>10/5/16</a:t>
+              <a:t>10/6/16</a:t>
             </a:fld>
             <a:endParaRPr lang="en-US"/>
           </a:p>
@@ -5908,7 +5789,7 @@
           <a:p>
             <a:fld id="{30626BF0-5E9B-D140-AF66-FF22DD2F9E39}" type="datetimeFigureOut">
               <a:rPr lang="en-US" smtClean="0"/>
-              <a:t>10/5/16</a:t>
+              <a:t>10/6/16</a:t>
             </a:fld>
             <a:endParaRPr lang="en-US"/>
           </a:p>
@@ -6328,7 +6209,7 @@
           <p:nvPr>
             <p:extLst>
               <p:ext uri="{D42A27DB-BD31-4B8C-83A1-F6EECF244321}">
-                <p14:modId xmlns:p14="http://schemas.microsoft.com/office/powerpoint/2010/main" val="990828814"/>
+                <p14:modId xmlns:p14="http://schemas.microsoft.com/office/powerpoint/2010/main" val="3286254276"/>
               </p:ext>
             </p:extLst>
           </p:nvPr>
@@ -6347,6 +6228,143 @@
     <p:extLst>
       <p:ext uri="{BB962C8B-B14F-4D97-AF65-F5344CB8AC3E}">
         <p14:creationId xmlns:p14="http://schemas.microsoft.com/office/powerpoint/2010/main" val="3894111371"/>
+      </p:ext>
+    </p:extLst>
+  </p:cSld>
+  <p:clrMapOvr>
+    <a:masterClrMapping/>
+  </p:clrMapOvr>
+</p:sld>
+</file>
+
+<file path=ppt/slides/slide2.xml><?xml version="1.0" encoding="utf-8"?>
+<p:sld xmlns:a="http://schemas.openxmlformats.org/drawingml/2006/main" xmlns:r="http://schemas.openxmlformats.org/officeDocument/2006/relationships" xmlns:p="http://schemas.openxmlformats.org/presentationml/2006/main">
+  <p:cSld>
+    <p:spTree>
+      <p:nvGrpSpPr>
+        <p:cNvPr id="1" name=""/>
+        <p:cNvGrpSpPr/>
+        <p:nvPr/>
+      </p:nvGrpSpPr>
+      <p:grpSpPr>
+        <a:xfrm>
+          <a:off x="0" y="0"/>
+          <a:ext cx="0" cy="0"/>
+          <a:chOff x="0" y="0"/>
+          <a:chExt cx="0" cy="0"/>
+        </a:xfrm>
+      </p:grpSpPr>
+      <p:sp>
+        <p:nvSpPr>
+          <p:cNvPr id="6" name="Rectangle 5"/>
+          <p:cNvSpPr/>
+          <p:nvPr/>
+        </p:nvSpPr>
+        <p:spPr>
+          <a:xfrm>
+            <a:off x="3078364" y="4608286"/>
+            <a:ext cx="3204987" cy="369332"/>
+          </a:xfrm>
+          <a:prstGeom prst="rect">
+            <a:avLst/>
+          </a:prstGeom>
+        </p:spPr>
+        <p:txBody>
+          <a:bodyPr wrap="none">
+            <a:spAutoFit/>
+          </a:bodyPr>
+          <a:lstStyle/>
+          <a:p>
+            <a:pPr lvl="0"/>
+            <a:r>
+              <a:rPr lang="en-US" dirty="0"/>
+              <a:t>(Recency, Frequency, Longevity)</a:t>
+            </a:r>
+            <a:endParaRPr lang="en-US" dirty="0"/>
+          </a:p>
+        </p:txBody>
+      </p:sp>
+      <p:pic>
+        <p:nvPicPr>
+          <p:cNvPr id="7" name="Picture 6"/>
+          <p:cNvPicPr>
+            <a:picLocks noChangeAspect="1"/>
+          </p:cNvPicPr>
+          <p:nvPr/>
+        </p:nvPicPr>
+        <p:blipFill rotWithShape="1">
+          <a:blip r:embed="rId2"/>
+          <a:srcRect b="21450"/>
+          <a:stretch/>
+        </p:blipFill>
+        <p:spPr>
+          <a:xfrm>
+            <a:off x="1473200" y="1346200"/>
+            <a:ext cx="6197600" cy="3262086"/>
+          </a:xfrm>
+          <a:prstGeom prst="rect">
+            <a:avLst/>
+          </a:prstGeom>
+        </p:spPr>
+      </p:pic>
+    </p:spTree>
+    <p:extLst>
+      <p:ext uri="{BB962C8B-B14F-4D97-AF65-F5344CB8AC3E}">
+        <p14:creationId xmlns:p14="http://schemas.microsoft.com/office/powerpoint/2010/main" val="2345188249"/>
+      </p:ext>
+    </p:extLst>
+  </p:cSld>
+  <p:clrMapOvr>
+    <a:masterClrMapping/>
+  </p:clrMapOvr>
+</p:sld>
+</file>
+
+<file path=ppt/slides/slide3.xml><?xml version="1.0" encoding="utf-8"?>
+<p:sld xmlns:a="http://schemas.openxmlformats.org/drawingml/2006/main" xmlns:r="http://schemas.openxmlformats.org/officeDocument/2006/relationships" xmlns:p="http://schemas.openxmlformats.org/presentationml/2006/main">
+  <p:cSld>
+    <p:spTree>
+      <p:nvGrpSpPr>
+        <p:cNvPr id="1" name=""/>
+        <p:cNvGrpSpPr/>
+        <p:nvPr/>
+      </p:nvGrpSpPr>
+      <p:grpSpPr>
+        <a:xfrm>
+          <a:off x="0" y="0"/>
+          <a:ext cx="0" cy="0"/>
+          <a:chOff x="0" y="0"/>
+          <a:chExt cx="0" cy="0"/>
+        </a:xfrm>
+      </p:grpSpPr>
+      <p:pic>
+        <p:nvPicPr>
+          <p:cNvPr id="2" name="Picture 1"/>
+          <p:cNvPicPr>
+            <a:picLocks noChangeAspect="1"/>
+          </p:cNvPicPr>
+          <p:nvPr/>
+        </p:nvPicPr>
+        <p:blipFill>
+          <a:blip r:embed="rId2"/>
+          <a:stretch>
+            <a:fillRect/>
+          </a:stretch>
+        </p:blipFill>
+        <p:spPr>
+          <a:xfrm>
+            <a:off x="1473200" y="1612900"/>
+            <a:ext cx="6197600" cy="3632200"/>
+          </a:xfrm>
+          <a:prstGeom prst="rect">
+            <a:avLst/>
+          </a:prstGeom>
+        </p:spPr>
+      </p:pic>
+    </p:spTree>
+    <p:extLst>
+      <p:ext uri="{BB962C8B-B14F-4D97-AF65-F5344CB8AC3E}">
+        <p14:creationId xmlns:p14="http://schemas.microsoft.com/office/powerpoint/2010/main" val="1333412411"/>
       </p:ext>
     </p:extLst>
   </p:cSld>
